--- a/주특기 숙련주차 과제2/주특기 숙련 주차 과제2 ERD.pptx
+++ b/주특기 숙련주차 과제2/주특기 숙련 주차 과제2 ERD.pptx
@@ -3259,8 +3259,8 @@
           <p:nvPr/>
         </p:nvGraphicFramePr>
         <p:xfrm>
-          <a:off x="2441132" y="399997"/>
-          <a:ext cx="3858301" cy="2804354"/>
+          <a:off x="2441132" y="514297"/>
+          <a:ext cx="3858301" cy="2347154"/>
         </p:xfrm>
         <a:graphic>
           <a:graphicData uri="http://schemas.openxmlformats.org/drawingml/2006/table">
@@ -3274,7 +3274,7 @@
                 <a:gridCol w="964575"/>
                 <a:gridCol w="964575"/>
               </a:tblGrid>
-              <a:tr h="562560">
+              <a:tr h="448260">
                 <a:tc>
                   <a:txBody>
                     <a:bodyPr vert="horz" wrap="square" lIns="91440" tIns="45720" rIns="91440" bIns="45720" anchor="t" anchorCtr="0">
@@ -3488,7 +3488,7 @@
                   </a:tcPr>
                 </a:tc>
               </a:tr>
-              <a:tr h="747264">
+              <a:tr h="632964">
                 <a:tc>
                   <a:txBody>
                     <a:bodyPr vert="horz" wrap="square" lIns="91440" tIns="45720" rIns="91440" bIns="45720" anchor="t" anchorCtr="0">
@@ -3714,7 +3714,7 @@
                   </a:tcPr>
                 </a:tc>
               </a:tr>
-              <a:tr h="747264">
+              <a:tr h="632964">
                 <a:tc>
                   <a:txBody>
                     <a:bodyPr vert="horz" wrap="square" lIns="91440" tIns="45720" rIns="91440" bIns="45720" anchor="t" anchorCtr="0">
@@ -3724,7 +3724,7 @@
                       <a:pPr>
                         <a:defRPr/>
                       </a:pPr>
-                      <a:endParaRPr lang="ko-KR" altLang="en-US" sz="1400"/>
+                      <a:endParaRPr lang="en-US" altLang="ko-KR" sz="1400"/>
                     </a:p>
                   </a:txBody>
                   <a:tcPr marL="91440" marR="91440">
@@ -3936,7 +3936,7 @@
                   </a:tcPr>
                 </a:tc>
               </a:tr>
-              <a:tr h="747264">
+              <a:tr h="632964">
                 <a:tc>
                   <a:txBody>
                     <a:bodyPr vert="horz" wrap="square" lIns="91440" tIns="45720" rIns="91440" bIns="45720" anchor="t" anchorCtr="0">
